--- a/Img/icons.pptx
+++ b/Img/icons.pptx
@@ -104,6 +104,11 @@
       </a:defRPr>
     </a:lvl9pPr>
   </p:defaultTextStyle>
+  <p:extLst>
+    <p:ext uri="{EFAFB233-063F-42B5-8137-9DF3F51BA10A}">
+      <p15:sldGuideLst xmlns:p15="http://schemas.microsoft.com/office/powerpoint/2012/main"/>
+    </p:ext>
+  </p:extLst>
 </p:presentation>
 </file>
 
@@ -2964,241 +2969,252 @@
           <a:chExt cx="0" cy="0"/>
         </a:xfrm>
       </p:grpSpPr>
-      <p:sp>
-        <p:nvSpPr>
-          <p:cNvPr id="4" name="圆角矩形 3"/>
-          <p:cNvSpPr/>
+      <p:grpSp>
+        <p:nvGrpSpPr>
+          <p:cNvPr id="11" name="组合 10"/>
+          <p:cNvGrpSpPr/>
           <p:nvPr/>
-        </p:nvSpPr>
-        <p:spPr>
+        </p:nvGrpSpPr>
+        <p:grpSpPr>
           <a:xfrm>
             <a:off x="4564926" y="2952749"/>
             <a:ext cx="900000" cy="900000"/>
+            <a:chOff x="4564926" y="2952749"/>
+            <a:chExt cx="900000" cy="900000"/>
           </a:xfrm>
-          <a:prstGeom prst="roundRect">
-            <a:avLst/>
-          </a:prstGeom>
-          <a:gradFill>
-            <a:gsLst>
-              <a:gs pos="0">
-                <a:schemeClr val="accent3">
-                  <a:satMod val="103000"/>
-                  <a:lumMod val="102000"/>
-                  <a:tint val="94000"/>
-                </a:schemeClr>
-              </a:gs>
-              <a:gs pos="60000">
-                <a:schemeClr val="tx1">
-                  <a:lumMod val="50000"/>
-                  <a:lumOff val="50000"/>
-                </a:schemeClr>
-              </a:gs>
-              <a:gs pos="100000">
-                <a:schemeClr val="tx1">
-                  <a:lumMod val="85000"/>
-                  <a:lumOff val="15000"/>
-                </a:schemeClr>
-              </a:gs>
-            </a:gsLst>
-          </a:gradFill>
-        </p:spPr>
-        <p:style>
-          <a:lnRef idx="0">
-            <a:schemeClr val="accent3"/>
-          </a:lnRef>
-          <a:fillRef idx="3">
-            <a:schemeClr val="accent3"/>
-          </a:fillRef>
-          <a:effectRef idx="3">
-            <a:schemeClr val="accent3"/>
-          </a:effectRef>
-          <a:fontRef idx="minor">
-            <a:schemeClr val="lt1"/>
-          </a:fontRef>
-        </p:style>
-        <p:txBody>
-          <a:bodyPr rtlCol="0" anchor="ctr"/>
-          <a:lstStyle/>
-          <a:p>
-            <a:pPr algn="ctr"/>
-            <a:endParaRPr lang="zh-CN" altLang="en-US"/>
-          </a:p>
-        </p:txBody>
-      </p:sp>
-      <p:cxnSp>
-        <p:nvCxnSpPr>
-          <p:cNvPr id="8" name="直接箭头连接符 7"/>
-          <p:cNvCxnSpPr/>
-          <p:nvPr/>
-        </p:nvCxnSpPr>
-        <p:spPr>
-          <a:xfrm flipV="1">
-            <a:off x="4998582" y="3075441"/>
-            <a:ext cx="0" cy="386334"/>
-          </a:xfrm>
-          <a:prstGeom prst="straightConnector1">
-            <a:avLst/>
-          </a:prstGeom>
-          <a:ln w="41275">
-            <a:gradFill flip="none" rotWithShape="1">
+        </p:grpSpPr>
+        <p:sp>
+          <p:nvSpPr>
+            <p:cNvPr id="4" name="圆角矩形 3"/>
+            <p:cNvSpPr/>
+            <p:nvPr/>
+          </p:nvSpPr>
+          <p:spPr>
+            <a:xfrm>
+              <a:off x="4564926" y="2952749"/>
+              <a:ext cx="900000" cy="900000"/>
+            </a:xfrm>
+            <a:prstGeom prst="roundRect">
+              <a:avLst/>
+            </a:prstGeom>
+            <a:gradFill>
               <a:gsLst>
                 <a:gs pos="0">
-                  <a:schemeClr val="accent4">
-                    <a:lumMod val="0"/>
-                    <a:lumOff val="100000"/>
+                  <a:schemeClr val="bg1">
+                    <a:lumMod val="85000"/>
                   </a:schemeClr>
                 </a:gs>
-                <a:gs pos="35000">
-                  <a:schemeClr val="accent4">
-                    <a:lumMod val="0"/>
-                    <a:lumOff val="100000"/>
+                <a:gs pos="60000">
+                  <a:schemeClr val="tx1">
+                    <a:lumMod val="50000"/>
+                    <a:lumOff val="50000"/>
                   </a:schemeClr>
                 </a:gs>
                 <a:gs pos="100000">
-                  <a:schemeClr val="accent4">
-                    <a:lumMod val="100000"/>
+                  <a:schemeClr val="tx1">
+                    <a:lumMod val="85000"/>
+                    <a:lumOff val="15000"/>
                   </a:schemeClr>
                 </a:gs>
               </a:gsLst>
-              <a:path path="circle">
-                <a:fillToRect l="50000" t="-80000" r="50000" b="180000"/>
-              </a:path>
-              <a:tileRect/>
             </a:gradFill>
-            <a:tailEnd type="triangle" w="med" len="sm"/>
-          </a:ln>
-        </p:spPr>
-        <p:style>
-          <a:lnRef idx="1">
-            <a:schemeClr val="accent1"/>
-          </a:lnRef>
-          <a:fillRef idx="0">
-            <a:schemeClr val="accent1"/>
-          </a:fillRef>
-          <a:effectRef idx="0">
-            <a:schemeClr val="accent1"/>
-          </a:effectRef>
-          <a:fontRef idx="minor">
-            <a:schemeClr val="tx1"/>
-          </a:fontRef>
-        </p:style>
-      </p:cxnSp>
-      <p:cxnSp>
-        <p:nvCxnSpPr>
-          <p:cNvPr id="10" name="直接箭头连接符 9"/>
-          <p:cNvCxnSpPr/>
-          <p:nvPr/>
-        </p:nvCxnSpPr>
-        <p:spPr>
-          <a:xfrm>
-            <a:off x="4998257" y="3459648"/>
-            <a:ext cx="350031" cy="0"/>
-          </a:xfrm>
-          <a:prstGeom prst="straightConnector1">
-            <a:avLst/>
-          </a:prstGeom>
-          <a:ln w="41275">
-            <a:gradFill flip="none" rotWithShape="1">
-              <a:gsLst>
-                <a:gs pos="0">
-                  <a:schemeClr val="accent6">
-                    <a:lumMod val="0"/>
-                    <a:lumOff val="100000"/>
-                  </a:schemeClr>
-                </a:gs>
-                <a:gs pos="35000">
-                  <a:schemeClr val="accent6">
-                    <a:lumMod val="0"/>
-                    <a:lumOff val="100000"/>
-                  </a:schemeClr>
-                </a:gs>
-                <a:gs pos="100000">
-                  <a:schemeClr val="accent6">
-                    <a:lumMod val="100000"/>
-                  </a:schemeClr>
-                </a:gs>
-              </a:gsLst>
-              <a:path path="circle">
-                <a:fillToRect t="100000" r="100000"/>
-              </a:path>
-              <a:tileRect l="-100000" b="-100000"/>
-            </a:gradFill>
-            <a:tailEnd type="triangle" w="med" len="sm"/>
-          </a:ln>
-        </p:spPr>
-        <p:style>
-          <a:lnRef idx="1">
-            <a:schemeClr val="accent1"/>
-          </a:lnRef>
-          <a:fillRef idx="0">
-            <a:schemeClr val="accent1"/>
-          </a:fillRef>
-          <a:effectRef idx="0">
-            <a:schemeClr val="accent1"/>
-          </a:effectRef>
-          <a:fontRef idx="minor">
-            <a:schemeClr val="tx1"/>
-          </a:fontRef>
-        </p:style>
-      </p:cxnSp>
-      <p:cxnSp>
-        <p:nvCxnSpPr>
-          <p:cNvPr id="15" name="直接箭头连接符 14"/>
-          <p:cNvCxnSpPr/>
-          <p:nvPr/>
-        </p:nvCxnSpPr>
-        <p:spPr>
-          <a:xfrm flipH="1">
-            <a:off x="4801083" y="3459648"/>
-            <a:ext cx="197175" cy="237077"/>
-          </a:xfrm>
-          <a:prstGeom prst="straightConnector1">
-            <a:avLst/>
-          </a:prstGeom>
-          <a:ln w="41275">
-            <a:gradFill flip="none" rotWithShape="1">
-              <a:gsLst>
-                <a:gs pos="0">
-                  <a:schemeClr val="accent1">
-                    <a:lumMod val="0"/>
-                    <a:lumOff val="100000"/>
-                  </a:schemeClr>
-                </a:gs>
-                <a:gs pos="35000">
-                  <a:schemeClr val="accent1">
-                    <a:lumMod val="0"/>
-                    <a:lumOff val="100000"/>
-                  </a:schemeClr>
-                </a:gs>
-                <a:gs pos="100000">
-                  <a:schemeClr val="accent1">
-                    <a:lumMod val="100000"/>
-                  </a:schemeClr>
-                </a:gs>
-              </a:gsLst>
-              <a:path path="circle">
-                <a:fillToRect r="100000" b="100000"/>
-              </a:path>
-              <a:tileRect l="-100000" t="-100000"/>
-            </a:gradFill>
-            <a:tailEnd type="triangle" w="med" len="sm"/>
-          </a:ln>
-        </p:spPr>
-        <p:style>
-          <a:lnRef idx="1">
-            <a:schemeClr val="accent1"/>
-          </a:lnRef>
-          <a:fillRef idx="0">
-            <a:schemeClr val="accent1"/>
-          </a:fillRef>
-          <a:effectRef idx="0">
-            <a:schemeClr val="accent1"/>
-          </a:effectRef>
-          <a:fontRef idx="minor">
-            <a:schemeClr val="tx1"/>
-          </a:fontRef>
-        </p:style>
-      </p:cxnSp>
+          </p:spPr>
+          <p:style>
+            <a:lnRef idx="0">
+              <a:schemeClr val="accent3"/>
+            </a:lnRef>
+            <a:fillRef idx="3">
+              <a:schemeClr val="accent3"/>
+            </a:fillRef>
+            <a:effectRef idx="3">
+              <a:schemeClr val="accent3"/>
+            </a:effectRef>
+            <a:fontRef idx="minor">
+              <a:schemeClr val="lt1"/>
+            </a:fontRef>
+          </p:style>
+          <p:txBody>
+            <a:bodyPr rtlCol="0" anchor="ctr"/>
+            <a:lstStyle/>
+            <a:p>
+              <a:pPr algn="ctr"/>
+              <a:endParaRPr lang="zh-CN" altLang="en-US"/>
+            </a:p>
+          </p:txBody>
+        </p:sp>
+        <p:cxnSp>
+          <p:nvCxnSpPr>
+            <p:cNvPr id="8" name="直接箭头连接符 7"/>
+            <p:cNvCxnSpPr/>
+            <p:nvPr/>
+          </p:nvCxnSpPr>
+          <p:spPr>
+            <a:xfrm flipV="1">
+              <a:off x="4998582" y="3075441"/>
+              <a:ext cx="0" cy="386334"/>
+            </a:xfrm>
+            <a:prstGeom prst="straightConnector1">
+              <a:avLst/>
+            </a:prstGeom>
+            <a:ln w="41275">
+              <a:gradFill flip="none" rotWithShape="1">
+                <a:gsLst>
+                  <a:gs pos="0">
+                    <a:schemeClr val="accent4">
+                      <a:lumMod val="0"/>
+                      <a:lumOff val="100000"/>
+                    </a:schemeClr>
+                  </a:gs>
+                  <a:gs pos="35000">
+                    <a:schemeClr val="accent4">
+                      <a:lumMod val="0"/>
+                      <a:lumOff val="100000"/>
+                    </a:schemeClr>
+                  </a:gs>
+                  <a:gs pos="100000">
+                    <a:schemeClr val="accent4">
+                      <a:lumMod val="100000"/>
+                    </a:schemeClr>
+                  </a:gs>
+                </a:gsLst>
+                <a:path path="circle">
+                  <a:fillToRect l="50000" t="-80000" r="50000" b="180000"/>
+                </a:path>
+                <a:tileRect/>
+              </a:gradFill>
+              <a:tailEnd type="triangle" w="med" len="sm"/>
+            </a:ln>
+          </p:spPr>
+          <p:style>
+            <a:lnRef idx="1">
+              <a:schemeClr val="accent1"/>
+            </a:lnRef>
+            <a:fillRef idx="0">
+              <a:schemeClr val="accent1"/>
+            </a:fillRef>
+            <a:effectRef idx="0">
+              <a:schemeClr val="accent1"/>
+            </a:effectRef>
+            <a:fontRef idx="minor">
+              <a:schemeClr val="tx1"/>
+            </a:fontRef>
+          </p:style>
+        </p:cxnSp>
+        <p:cxnSp>
+          <p:nvCxnSpPr>
+            <p:cNvPr id="10" name="直接箭头连接符 9"/>
+            <p:cNvCxnSpPr/>
+            <p:nvPr/>
+          </p:nvCxnSpPr>
+          <p:spPr>
+            <a:xfrm>
+              <a:off x="4998257" y="3459648"/>
+              <a:ext cx="350031" cy="0"/>
+            </a:xfrm>
+            <a:prstGeom prst="straightConnector1">
+              <a:avLst/>
+            </a:prstGeom>
+            <a:ln w="41275">
+              <a:gradFill flip="none" rotWithShape="1">
+                <a:gsLst>
+                  <a:gs pos="0">
+                    <a:schemeClr val="accent6">
+                      <a:lumMod val="0"/>
+                      <a:lumOff val="100000"/>
+                    </a:schemeClr>
+                  </a:gs>
+                  <a:gs pos="35000">
+                    <a:schemeClr val="accent6">
+                      <a:lumMod val="0"/>
+                      <a:lumOff val="100000"/>
+                    </a:schemeClr>
+                  </a:gs>
+                  <a:gs pos="100000">
+                    <a:schemeClr val="accent6">
+                      <a:lumMod val="100000"/>
+                    </a:schemeClr>
+                  </a:gs>
+                </a:gsLst>
+                <a:path path="circle">
+                  <a:fillToRect t="100000" r="100000"/>
+                </a:path>
+                <a:tileRect l="-100000" b="-100000"/>
+              </a:gradFill>
+              <a:tailEnd type="triangle" w="med" len="sm"/>
+            </a:ln>
+          </p:spPr>
+          <p:style>
+            <a:lnRef idx="1">
+              <a:schemeClr val="accent1"/>
+            </a:lnRef>
+            <a:fillRef idx="0">
+              <a:schemeClr val="accent1"/>
+            </a:fillRef>
+            <a:effectRef idx="0">
+              <a:schemeClr val="accent1"/>
+            </a:effectRef>
+            <a:fontRef idx="minor">
+              <a:schemeClr val="tx1"/>
+            </a:fontRef>
+          </p:style>
+        </p:cxnSp>
+        <p:cxnSp>
+          <p:nvCxnSpPr>
+            <p:cNvPr id="15" name="直接箭头连接符 14"/>
+            <p:cNvCxnSpPr/>
+            <p:nvPr/>
+          </p:nvCxnSpPr>
+          <p:spPr>
+            <a:xfrm flipH="1">
+              <a:off x="4801083" y="3459648"/>
+              <a:ext cx="197175" cy="237077"/>
+            </a:xfrm>
+            <a:prstGeom prst="straightConnector1">
+              <a:avLst/>
+            </a:prstGeom>
+            <a:ln w="41275">
+              <a:gradFill flip="none" rotWithShape="1">
+                <a:gsLst>
+                  <a:gs pos="0">
+                    <a:schemeClr val="accent1">
+                      <a:lumMod val="0"/>
+                      <a:lumOff val="100000"/>
+                    </a:schemeClr>
+                  </a:gs>
+                  <a:gs pos="35000">
+                    <a:schemeClr val="accent1">
+                      <a:lumMod val="0"/>
+                      <a:lumOff val="100000"/>
+                    </a:schemeClr>
+                  </a:gs>
+                  <a:gs pos="100000">
+                    <a:srgbClr val="FF0000"/>
+                  </a:gs>
+                </a:gsLst>
+                <a:path path="circle">
+                  <a:fillToRect r="100000" b="100000"/>
+                </a:path>
+                <a:tileRect l="-100000" t="-100000"/>
+              </a:gradFill>
+              <a:tailEnd type="triangle" w="med" len="sm"/>
+            </a:ln>
+          </p:spPr>
+          <p:style>
+            <a:lnRef idx="1">
+              <a:schemeClr val="accent1"/>
+            </a:lnRef>
+            <a:fillRef idx="0">
+              <a:schemeClr val="accent1"/>
+            </a:fillRef>
+            <a:effectRef idx="0">
+              <a:schemeClr val="accent1"/>
+            </a:effectRef>
+            <a:fontRef idx="minor">
+              <a:schemeClr val="tx1"/>
+            </a:fontRef>
+          </p:style>
+        </p:cxnSp>
+      </p:grpSp>
       <p:grpSp>
         <p:nvGrpSpPr>
           <p:cNvPr id="35" name="组合 34"/>
@@ -3452,7 +3468,10 @@
             <a:gradFill>
               <a:gsLst>
                 <a:gs pos="0">
-                  <a:srgbClr val="FFFF00"/>
+                  <a:schemeClr val="accent4">
+                    <a:lumMod val="40000"/>
+                    <a:lumOff val="60000"/>
+                  </a:schemeClr>
                 </a:gs>
                 <a:gs pos="50000">
                   <a:schemeClr val="accent4">
@@ -3521,6 +3540,956 @@
             </a:prstGeom>
           </p:spPr>
         </p:pic>
+      </p:grpSp>
+      <p:grpSp>
+        <p:nvGrpSpPr>
+          <p:cNvPr id="5" name="组合 4"/>
+          <p:cNvGrpSpPr/>
+          <p:nvPr/>
+        </p:nvGrpSpPr>
+        <p:grpSpPr>
+          <a:xfrm>
+            <a:off x="4569689" y="4043361"/>
+            <a:ext cx="900000" cy="900000"/>
+            <a:chOff x="4569689" y="4043361"/>
+            <a:chExt cx="900000" cy="900000"/>
+          </a:xfrm>
+        </p:grpSpPr>
+        <p:sp>
+          <p:nvSpPr>
+            <p:cNvPr id="13" name="圆角矩形 12"/>
+            <p:cNvSpPr/>
+            <p:nvPr/>
+          </p:nvSpPr>
+          <p:spPr>
+            <a:xfrm>
+              <a:off x="4569689" y="4043361"/>
+              <a:ext cx="900000" cy="900000"/>
+            </a:xfrm>
+            <a:prstGeom prst="roundRect">
+              <a:avLst/>
+            </a:prstGeom>
+            <a:gradFill>
+              <a:gsLst>
+                <a:gs pos="0">
+                  <a:schemeClr val="accent1">
+                    <a:lumMod val="20000"/>
+                    <a:lumOff val="80000"/>
+                  </a:schemeClr>
+                </a:gs>
+                <a:gs pos="50000">
+                  <a:schemeClr val="accent5">
+                    <a:satMod val="110000"/>
+                    <a:lumMod val="100000"/>
+                    <a:shade val="100000"/>
+                  </a:schemeClr>
+                </a:gs>
+                <a:gs pos="100000">
+                  <a:schemeClr val="accent5">
+                    <a:lumMod val="99000"/>
+                    <a:satMod val="120000"/>
+                    <a:shade val="78000"/>
+                  </a:schemeClr>
+                </a:gs>
+              </a:gsLst>
+            </a:gradFill>
+          </p:spPr>
+          <p:style>
+            <a:lnRef idx="0">
+              <a:schemeClr val="accent5"/>
+            </a:lnRef>
+            <a:fillRef idx="3">
+              <a:schemeClr val="accent5"/>
+            </a:fillRef>
+            <a:effectRef idx="3">
+              <a:schemeClr val="accent5"/>
+            </a:effectRef>
+            <a:fontRef idx="minor">
+              <a:schemeClr val="lt1"/>
+            </a:fontRef>
+          </p:style>
+          <p:txBody>
+            <a:bodyPr rtlCol="0" anchor="ctr"/>
+            <a:lstStyle/>
+            <a:p>
+              <a:pPr algn="ctr"/>
+              <a:endParaRPr lang="zh-CN" altLang="en-US"/>
+            </a:p>
+          </p:txBody>
+        </p:sp>
+        <p:sp>
+          <p:nvSpPr>
+            <p:cNvPr id="18" name="流程图: 联系 17"/>
+            <p:cNvSpPr/>
+            <p:nvPr/>
+          </p:nvSpPr>
+          <p:spPr>
+            <a:xfrm>
+              <a:off x="5099695" y="4459206"/>
+              <a:ext cx="72000" cy="72000"/>
+            </a:xfrm>
+            <a:prstGeom prst="flowChartConnector">
+              <a:avLst/>
+            </a:prstGeom>
+            <a:solidFill>
+              <a:schemeClr val="accent4"/>
+            </a:solidFill>
+            <a:ln>
+              <a:solidFill>
+                <a:srgbClr val="7030A0">
+                  <a:alpha val="50000"/>
+                </a:srgbClr>
+              </a:solidFill>
+            </a:ln>
+          </p:spPr>
+          <p:style>
+            <a:lnRef idx="2">
+              <a:schemeClr val="accent1">
+                <a:shade val="50000"/>
+              </a:schemeClr>
+            </a:lnRef>
+            <a:fillRef idx="1">
+              <a:schemeClr val="accent1"/>
+            </a:fillRef>
+            <a:effectRef idx="0">
+              <a:schemeClr val="accent1"/>
+            </a:effectRef>
+            <a:fontRef idx="minor">
+              <a:schemeClr val="lt1"/>
+            </a:fontRef>
+          </p:style>
+          <p:txBody>
+            <a:bodyPr rtlCol="0" anchor="ctr"/>
+            <a:lstStyle/>
+            <a:p>
+              <a:pPr algn="ctr"/>
+              <a:endParaRPr lang="zh-CN" altLang="en-US"/>
+            </a:p>
+          </p:txBody>
+        </p:sp>
+        <p:sp>
+          <p:nvSpPr>
+            <p:cNvPr id="20" name="流程图: 联系 19"/>
+            <p:cNvSpPr/>
+            <p:nvPr/>
+          </p:nvSpPr>
+          <p:spPr>
+            <a:xfrm>
+              <a:off x="4985395" y="4198856"/>
+              <a:ext cx="72000" cy="72000"/>
+            </a:xfrm>
+            <a:prstGeom prst="flowChartConnector">
+              <a:avLst/>
+            </a:prstGeom>
+            <a:solidFill>
+              <a:schemeClr val="accent4"/>
+            </a:solidFill>
+            <a:ln>
+              <a:solidFill>
+                <a:srgbClr val="7030A0">
+                  <a:alpha val="50000"/>
+                </a:srgbClr>
+              </a:solidFill>
+            </a:ln>
+          </p:spPr>
+          <p:style>
+            <a:lnRef idx="2">
+              <a:schemeClr val="accent1">
+                <a:shade val="50000"/>
+              </a:schemeClr>
+            </a:lnRef>
+            <a:fillRef idx="1">
+              <a:schemeClr val="accent1"/>
+            </a:fillRef>
+            <a:effectRef idx="0">
+              <a:schemeClr val="accent1"/>
+            </a:effectRef>
+            <a:fontRef idx="minor">
+              <a:schemeClr val="lt1"/>
+            </a:fontRef>
+          </p:style>
+          <p:txBody>
+            <a:bodyPr rtlCol="0" anchor="ctr"/>
+            <a:lstStyle/>
+            <a:p>
+              <a:pPr algn="ctr"/>
+              <a:endParaRPr lang="zh-CN" altLang="en-US"/>
+            </a:p>
+          </p:txBody>
+        </p:sp>
+        <p:sp>
+          <p:nvSpPr>
+            <p:cNvPr id="23" name="流程图: 联系 22"/>
+            <p:cNvSpPr/>
+            <p:nvPr/>
+          </p:nvSpPr>
+          <p:spPr>
+            <a:xfrm>
+              <a:off x="5093345" y="4357606"/>
+              <a:ext cx="72000" cy="72000"/>
+            </a:xfrm>
+            <a:prstGeom prst="flowChartConnector">
+              <a:avLst/>
+            </a:prstGeom>
+            <a:solidFill>
+              <a:schemeClr val="accent4"/>
+            </a:solidFill>
+            <a:ln>
+              <a:solidFill>
+                <a:srgbClr val="7030A0">
+                  <a:alpha val="50000"/>
+                </a:srgbClr>
+              </a:solidFill>
+            </a:ln>
+          </p:spPr>
+          <p:style>
+            <a:lnRef idx="2">
+              <a:schemeClr val="accent1">
+                <a:shade val="50000"/>
+              </a:schemeClr>
+            </a:lnRef>
+            <a:fillRef idx="1">
+              <a:schemeClr val="accent1"/>
+            </a:fillRef>
+            <a:effectRef idx="0">
+              <a:schemeClr val="accent1"/>
+            </a:effectRef>
+            <a:fontRef idx="minor">
+              <a:schemeClr val="lt1"/>
+            </a:fontRef>
+          </p:style>
+          <p:txBody>
+            <a:bodyPr rtlCol="0" anchor="ctr"/>
+            <a:lstStyle/>
+            <a:p>
+              <a:pPr algn="ctr"/>
+              <a:endParaRPr lang="zh-CN" altLang="en-US"/>
+            </a:p>
+          </p:txBody>
+        </p:sp>
+        <p:sp>
+          <p:nvSpPr>
+            <p:cNvPr id="24" name="流程图: 联系 23"/>
+            <p:cNvSpPr/>
+            <p:nvPr/>
+          </p:nvSpPr>
+          <p:spPr>
+            <a:xfrm>
+              <a:off x="5283845" y="4573506"/>
+              <a:ext cx="72000" cy="72000"/>
+            </a:xfrm>
+            <a:prstGeom prst="flowChartConnector">
+              <a:avLst/>
+            </a:prstGeom>
+            <a:solidFill>
+              <a:schemeClr val="accent4"/>
+            </a:solidFill>
+            <a:ln>
+              <a:solidFill>
+                <a:srgbClr val="7030A0">
+                  <a:alpha val="50000"/>
+                </a:srgbClr>
+              </a:solidFill>
+            </a:ln>
+          </p:spPr>
+          <p:style>
+            <a:lnRef idx="2">
+              <a:schemeClr val="accent1">
+                <a:shade val="50000"/>
+              </a:schemeClr>
+            </a:lnRef>
+            <a:fillRef idx="1">
+              <a:schemeClr val="accent1"/>
+            </a:fillRef>
+            <a:effectRef idx="0">
+              <a:schemeClr val="accent1"/>
+            </a:effectRef>
+            <a:fontRef idx="minor">
+              <a:schemeClr val="lt1"/>
+            </a:fontRef>
+          </p:style>
+          <p:txBody>
+            <a:bodyPr rtlCol="0" anchor="ctr"/>
+            <a:lstStyle/>
+            <a:p>
+              <a:pPr algn="ctr"/>
+              <a:endParaRPr lang="zh-CN" altLang="en-US"/>
+            </a:p>
+          </p:txBody>
+        </p:sp>
+        <p:sp>
+          <p:nvSpPr>
+            <p:cNvPr id="25" name="流程图: 联系 24"/>
+            <p:cNvSpPr/>
+            <p:nvPr/>
+          </p:nvSpPr>
+          <p:spPr>
+            <a:xfrm>
+              <a:off x="4674245" y="4446506"/>
+              <a:ext cx="72000" cy="72000"/>
+            </a:xfrm>
+            <a:prstGeom prst="flowChartConnector">
+              <a:avLst/>
+            </a:prstGeom>
+            <a:solidFill>
+              <a:schemeClr val="accent4"/>
+            </a:solidFill>
+            <a:ln>
+              <a:solidFill>
+                <a:srgbClr val="7030A0">
+                  <a:alpha val="50000"/>
+                </a:srgbClr>
+              </a:solidFill>
+            </a:ln>
+          </p:spPr>
+          <p:style>
+            <a:lnRef idx="2">
+              <a:schemeClr val="accent1">
+                <a:shade val="50000"/>
+              </a:schemeClr>
+            </a:lnRef>
+            <a:fillRef idx="1">
+              <a:schemeClr val="accent1"/>
+            </a:fillRef>
+            <a:effectRef idx="0">
+              <a:schemeClr val="accent1"/>
+            </a:effectRef>
+            <a:fontRef idx="minor">
+              <a:schemeClr val="lt1"/>
+            </a:fontRef>
+          </p:style>
+          <p:txBody>
+            <a:bodyPr rtlCol="0" anchor="ctr"/>
+            <a:lstStyle/>
+            <a:p>
+              <a:pPr algn="ctr"/>
+              <a:endParaRPr lang="zh-CN" altLang="en-US"/>
+            </a:p>
+          </p:txBody>
+        </p:sp>
+        <p:sp>
+          <p:nvSpPr>
+            <p:cNvPr id="26" name="流程图: 联系 25"/>
+            <p:cNvSpPr/>
+            <p:nvPr/>
+          </p:nvSpPr>
+          <p:spPr>
+            <a:xfrm>
+              <a:off x="4826645" y="4598906"/>
+              <a:ext cx="72000" cy="72000"/>
+            </a:xfrm>
+            <a:prstGeom prst="flowChartConnector">
+              <a:avLst/>
+            </a:prstGeom>
+            <a:solidFill>
+              <a:schemeClr val="accent4"/>
+            </a:solidFill>
+            <a:ln>
+              <a:solidFill>
+                <a:srgbClr val="7030A0">
+                  <a:alpha val="50000"/>
+                </a:srgbClr>
+              </a:solidFill>
+            </a:ln>
+          </p:spPr>
+          <p:style>
+            <a:lnRef idx="2">
+              <a:schemeClr val="accent1">
+                <a:shade val="50000"/>
+              </a:schemeClr>
+            </a:lnRef>
+            <a:fillRef idx="1">
+              <a:schemeClr val="accent1"/>
+            </a:fillRef>
+            <a:effectRef idx="0">
+              <a:schemeClr val="accent1"/>
+            </a:effectRef>
+            <a:fontRef idx="minor">
+              <a:schemeClr val="lt1"/>
+            </a:fontRef>
+          </p:style>
+          <p:txBody>
+            <a:bodyPr rtlCol="0" anchor="ctr"/>
+            <a:lstStyle/>
+            <a:p>
+              <a:pPr algn="ctr"/>
+              <a:endParaRPr lang="zh-CN" altLang="en-US"/>
+            </a:p>
+          </p:txBody>
+        </p:sp>
+        <p:sp>
+          <p:nvSpPr>
+            <p:cNvPr id="27" name="流程图: 联系 26"/>
+            <p:cNvSpPr/>
+            <p:nvPr/>
+          </p:nvSpPr>
+          <p:spPr>
+            <a:xfrm>
+              <a:off x="4979045" y="4751306"/>
+              <a:ext cx="72000" cy="72000"/>
+            </a:xfrm>
+            <a:prstGeom prst="flowChartConnector">
+              <a:avLst/>
+            </a:prstGeom>
+            <a:solidFill>
+              <a:schemeClr val="accent4"/>
+            </a:solidFill>
+            <a:ln>
+              <a:solidFill>
+                <a:srgbClr val="7030A0">
+                  <a:alpha val="50000"/>
+                </a:srgbClr>
+              </a:solidFill>
+            </a:ln>
+          </p:spPr>
+          <p:style>
+            <a:lnRef idx="2">
+              <a:schemeClr val="accent1">
+                <a:shade val="50000"/>
+              </a:schemeClr>
+            </a:lnRef>
+            <a:fillRef idx="1">
+              <a:schemeClr val="accent1"/>
+            </a:fillRef>
+            <a:effectRef idx="0">
+              <a:schemeClr val="accent1"/>
+            </a:effectRef>
+            <a:fontRef idx="minor">
+              <a:schemeClr val="lt1"/>
+            </a:fontRef>
+          </p:style>
+          <p:txBody>
+            <a:bodyPr rtlCol="0" anchor="ctr"/>
+            <a:lstStyle/>
+            <a:p>
+              <a:pPr algn="ctr"/>
+              <a:endParaRPr lang="zh-CN" altLang="en-US"/>
+            </a:p>
+          </p:txBody>
+        </p:sp>
+        <p:sp>
+          <p:nvSpPr>
+            <p:cNvPr id="28" name="流程图: 联系 27"/>
+            <p:cNvSpPr/>
+            <p:nvPr/>
+          </p:nvSpPr>
+          <p:spPr>
+            <a:xfrm>
+              <a:off x="4826645" y="4363956"/>
+              <a:ext cx="72000" cy="72000"/>
+            </a:xfrm>
+            <a:prstGeom prst="flowChartConnector">
+              <a:avLst/>
+            </a:prstGeom>
+            <a:solidFill>
+              <a:schemeClr val="accent4"/>
+            </a:solidFill>
+            <a:ln>
+              <a:solidFill>
+                <a:srgbClr val="7030A0">
+                  <a:alpha val="50000"/>
+                </a:srgbClr>
+              </a:solidFill>
+            </a:ln>
+          </p:spPr>
+          <p:style>
+            <a:lnRef idx="2">
+              <a:schemeClr val="accent1">
+                <a:shade val="50000"/>
+              </a:schemeClr>
+            </a:lnRef>
+            <a:fillRef idx="1">
+              <a:schemeClr val="accent1"/>
+            </a:fillRef>
+            <a:effectRef idx="0">
+              <a:schemeClr val="accent1"/>
+            </a:effectRef>
+            <a:fontRef idx="minor">
+              <a:schemeClr val="lt1"/>
+            </a:fontRef>
+          </p:style>
+          <p:txBody>
+            <a:bodyPr rtlCol="0" anchor="ctr"/>
+            <a:lstStyle/>
+            <a:p>
+              <a:pPr algn="ctr"/>
+              <a:endParaRPr lang="zh-CN" altLang="en-US"/>
+            </a:p>
+          </p:txBody>
+        </p:sp>
+        <p:sp>
+          <p:nvSpPr>
+            <p:cNvPr id="31" name="流程图: 联系 30"/>
+            <p:cNvSpPr/>
+            <p:nvPr/>
+          </p:nvSpPr>
+          <p:spPr>
+            <a:xfrm>
+              <a:off x="4972695" y="4586206"/>
+              <a:ext cx="72000" cy="72000"/>
+            </a:xfrm>
+            <a:prstGeom prst="flowChartConnector">
+              <a:avLst/>
+            </a:prstGeom>
+            <a:solidFill>
+              <a:schemeClr val="accent4"/>
+            </a:solidFill>
+            <a:ln>
+              <a:solidFill>
+                <a:srgbClr val="7030A0">
+                  <a:alpha val="50000"/>
+                </a:srgbClr>
+              </a:solidFill>
+            </a:ln>
+          </p:spPr>
+          <p:style>
+            <a:lnRef idx="2">
+              <a:schemeClr val="accent1">
+                <a:shade val="50000"/>
+              </a:schemeClr>
+            </a:lnRef>
+            <a:fillRef idx="1">
+              <a:schemeClr val="accent1"/>
+            </a:fillRef>
+            <a:effectRef idx="0">
+              <a:schemeClr val="accent1"/>
+            </a:effectRef>
+            <a:fontRef idx="minor">
+              <a:schemeClr val="lt1"/>
+            </a:fontRef>
+          </p:style>
+          <p:txBody>
+            <a:bodyPr rtlCol="0" anchor="ctr"/>
+            <a:lstStyle/>
+            <a:p>
+              <a:pPr algn="ctr"/>
+              <a:endParaRPr lang="zh-CN" altLang="en-US"/>
+            </a:p>
+          </p:txBody>
+        </p:sp>
+        <p:sp>
+          <p:nvSpPr>
+            <p:cNvPr id="34" name="流程图: 联系 33"/>
+            <p:cNvSpPr/>
+            <p:nvPr/>
+          </p:nvSpPr>
+          <p:spPr>
+            <a:xfrm>
+              <a:off x="5328295" y="4395706"/>
+              <a:ext cx="72000" cy="72000"/>
+            </a:xfrm>
+            <a:prstGeom prst="flowChartConnector">
+              <a:avLst/>
+            </a:prstGeom>
+            <a:solidFill>
+              <a:schemeClr val="accent4"/>
+            </a:solidFill>
+            <a:ln>
+              <a:solidFill>
+                <a:srgbClr val="7030A0">
+                  <a:alpha val="50000"/>
+                </a:srgbClr>
+              </a:solidFill>
+            </a:ln>
+          </p:spPr>
+          <p:style>
+            <a:lnRef idx="2">
+              <a:schemeClr val="accent1">
+                <a:shade val="50000"/>
+              </a:schemeClr>
+            </a:lnRef>
+            <a:fillRef idx="1">
+              <a:schemeClr val="accent1"/>
+            </a:fillRef>
+            <a:effectRef idx="0">
+              <a:schemeClr val="accent1"/>
+            </a:effectRef>
+            <a:fontRef idx="minor">
+              <a:schemeClr val="lt1"/>
+            </a:fontRef>
+          </p:style>
+          <p:txBody>
+            <a:bodyPr rtlCol="0" anchor="ctr"/>
+            <a:lstStyle/>
+            <a:p>
+              <a:pPr algn="ctr"/>
+              <a:endParaRPr lang="zh-CN" altLang="en-US"/>
+            </a:p>
+          </p:txBody>
+        </p:sp>
+        <p:sp>
+          <p:nvSpPr>
+            <p:cNvPr id="36" name="流程图: 联系 35"/>
+            <p:cNvSpPr/>
+            <p:nvPr/>
+          </p:nvSpPr>
+          <p:spPr>
+            <a:xfrm>
+              <a:off x="4629795" y="4732256"/>
+              <a:ext cx="72000" cy="72000"/>
+            </a:xfrm>
+            <a:prstGeom prst="flowChartConnector">
+              <a:avLst/>
+            </a:prstGeom>
+            <a:solidFill>
+              <a:schemeClr val="accent4"/>
+            </a:solidFill>
+            <a:ln>
+              <a:solidFill>
+                <a:srgbClr val="7030A0">
+                  <a:alpha val="50000"/>
+                </a:srgbClr>
+              </a:solidFill>
+            </a:ln>
+          </p:spPr>
+          <p:style>
+            <a:lnRef idx="2">
+              <a:schemeClr val="accent1">
+                <a:shade val="50000"/>
+              </a:schemeClr>
+            </a:lnRef>
+            <a:fillRef idx="1">
+              <a:schemeClr val="accent1"/>
+            </a:fillRef>
+            <a:effectRef idx="0">
+              <a:schemeClr val="accent1"/>
+            </a:effectRef>
+            <a:fontRef idx="minor">
+              <a:schemeClr val="lt1"/>
+            </a:fontRef>
+          </p:style>
+          <p:txBody>
+            <a:bodyPr rtlCol="0" anchor="ctr"/>
+            <a:lstStyle/>
+            <a:p>
+              <a:pPr algn="ctr"/>
+              <a:endParaRPr lang="zh-CN" altLang="en-US"/>
+            </a:p>
+          </p:txBody>
+        </p:sp>
+        <p:sp>
+          <p:nvSpPr>
+            <p:cNvPr id="39" name="流程图: 联系 38"/>
+            <p:cNvSpPr/>
+            <p:nvPr/>
+          </p:nvSpPr>
+          <p:spPr>
+            <a:xfrm>
+              <a:off x="5315595" y="4732256"/>
+              <a:ext cx="72000" cy="72000"/>
+            </a:xfrm>
+            <a:prstGeom prst="flowChartConnector">
+              <a:avLst/>
+            </a:prstGeom>
+            <a:solidFill>
+              <a:schemeClr val="accent4"/>
+            </a:solidFill>
+            <a:ln>
+              <a:solidFill>
+                <a:srgbClr val="7030A0">
+                  <a:alpha val="50000"/>
+                </a:srgbClr>
+              </a:solidFill>
+            </a:ln>
+          </p:spPr>
+          <p:style>
+            <a:lnRef idx="2">
+              <a:schemeClr val="accent1">
+                <a:shade val="50000"/>
+              </a:schemeClr>
+            </a:lnRef>
+            <a:fillRef idx="1">
+              <a:schemeClr val="accent1"/>
+            </a:fillRef>
+            <a:effectRef idx="0">
+              <a:schemeClr val="accent1"/>
+            </a:effectRef>
+            <a:fontRef idx="minor">
+              <a:schemeClr val="lt1"/>
+            </a:fontRef>
+          </p:style>
+          <p:txBody>
+            <a:bodyPr rtlCol="0" anchor="ctr"/>
+            <a:lstStyle/>
+            <a:p>
+              <a:pPr algn="ctr"/>
+              <a:endParaRPr lang="zh-CN" altLang="en-US"/>
+            </a:p>
+          </p:txBody>
+        </p:sp>
+        <p:sp>
+          <p:nvSpPr>
+            <p:cNvPr id="40" name="流程图: 联系 39"/>
+            <p:cNvSpPr/>
+            <p:nvPr/>
+          </p:nvSpPr>
+          <p:spPr>
+            <a:xfrm>
+              <a:off x="4737745" y="4783056"/>
+              <a:ext cx="72000" cy="72000"/>
+            </a:xfrm>
+            <a:prstGeom prst="flowChartConnector">
+              <a:avLst/>
+            </a:prstGeom>
+            <a:solidFill>
+              <a:schemeClr val="accent4"/>
+            </a:solidFill>
+            <a:ln>
+              <a:solidFill>
+                <a:srgbClr val="7030A0">
+                  <a:alpha val="50000"/>
+                </a:srgbClr>
+              </a:solidFill>
+            </a:ln>
+          </p:spPr>
+          <p:style>
+            <a:lnRef idx="2">
+              <a:schemeClr val="accent1">
+                <a:shade val="50000"/>
+              </a:schemeClr>
+            </a:lnRef>
+            <a:fillRef idx="1">
+              <a:schemeClr val="accent1"/>
+            </a:fillRef>
+            <a:effectRef idx="0">
+              <a:schemeClr val="accent1"/>
+            </a:effectRef>
+            <a:fontRef idx="minor">
+              <a:schemeClr val="lt1"/>
+            </a:fontRef>
+          </p:style>
+          <p:txBody>
+            <a:bodyPr rtlCol="0" anchor="ctr"/>
+            <a:lstStyle/>
+            <a:p>
+              <a:pPr algn="ctr"/>
+              <a:endParaRPr lang="zh-CN" altLang="en-US"/>
+            </a:p>
+          </p:txBody>
+        </p:sp>
+        <p:sp>
+          <p:nvSpPr>
+            <p:cNvPr id="43" name="流程图: 联系 42"/>
+            <p:cNvSpPr/>
+            <p:nvPr/>
+          </p:nvSpPr>
+          <p:spPr>
+            <a:xfrm>
+              <a:off x="4756795" y="4230606"/>
+              <a:ext cx="72000" cy="72000"/>
+            </a:xfrm>
+            <a:prstGeom prst="flowChartConnector">
+              <a:avLst/>
+            </a:prstGeom>
+            <a:solidFill>
+              <a:schemeClr val="accent4"/>
+            </a:solidFill>
+            <a:ln>
+              <a:solidFill>
+                <a:srgbClr val="7030A0">
+                  <a:alpha val="50000"/>
+                </a:srgbClr>
+              </a:solidFill>
+            </a:ln>
+          </p:spPr>
+          <p:style>
+            <a:lnRef idx="2">
+              <a:schemeClr val="accent1">
+                <a:shade val="50000"/>
+              </a:schemeClr>
+            </a:lnRef>
+            <a:fillRef idx="1">
+              <a:schemeClr val="accent1"/>
+            </a:fillRef>
+            <a:effectRef idx="0">
+              <a:schemeClr val="accent1"/>
+            </a:effectRef>
+            <a:fontRef idx="minor">
+              <a:schemeClr val="lt1"/>
+            </a:fontRef>
+          </p:style>
+          <p:txBody>
+            <a:bodyPr rtlCol="0" anchor="ctr"/>
+            <a:lstStyle/>
+            <a:p>
+              <a:pPr algn="ctr"/>
+              <a:endParaRPr lang="zh-CN" altLang="en-US"/>
+            </a:p>
+          </p:txBody>
+        </p:sp>
+        <p:sp>
+          <p:nvSpPr>
+            <p:cNvPr id="44" name="流程图: 联系 43"/>
+            <p:cNvSpPr/>
+            <p:nvPr/>
+          </p:nvSpPr>
+          <p:spPr>
+            <a:xfrm>
+              <a:off x="5302895" y="4135356"/>
+              <a:ext cx="72000" cy="72000"/>
+            </a:xfrm>
+            <a:prstGeom prst="flowChartConnector">
+              <a:avLst/>
+            </a:prstGeom>
+            <a:solidFill>
+              <a:schemeClr val="accent4"/>
+            </a:solidFill>
+            <a:ln>
+              <a:solidFill>
+                <a:srgbClr val="7030A0">
+                  <a:alpha val="50000"/>
+                </a:srgbClr>
+              </a:solidFill>
+            </a:ln>
+          </p:spPr>
+          <p:style>
+            <a:lnRef idx="2">
+              <a:schemeClr val="accent1">
+                <a:shade val="50000"/>
+              </a:schemeClr>
+            </a:lnRef>
+            <a:fillRef idx="1">
+              <a:schemeClr val="accent1"/>
+            </a:fillRef>
+            <a:effectRef idx="0">
+              <a:schemeClr val="accent1"/>
+            </a:effectRef>
+            <a:fontRef idx="minor">
+              <a:schemeClr val="lt1"/>
+            </a:fontRef>
+          </p:style>
+          <p:txBody>
+            <a:bodyPr rtlCol="0" anchor="ctr"/>
+            <a:lstStyle/>
+            <a:p>
+              <a:pPr algn="ctr"/>
+              <a:endParaRPr lang="zh-CN" altLang="en-US"/>
+            </a:p>
+          </p:txBody>
+        </p:sp>
+      </p:grpSp>
+      <p:grpSp>
+        <p:nvGrpSpPr>
+          <p:cNvPr id="62" name="组合 61"/>
+          <p:cNvGrpSpPr/>
+          <p:nvPr/>
+        </p:nvGrpSpPr>
+        <p:grpSpPr>
+          <a:xfrm>
+            <a:off x="3086943" y="2952749"/>
+            <a:ext cx="900000" cy="900000"/>
+            <a:chOff x="3086943" y="2952749"/>
+            <a:chExt cx="900000" cy="900000"/>
+          </a:xfrm>
+        </p:grpSpPr>
+        <p:sp>
+          <p:nvSpPr>
+            <p:cNvPr id="46" name="圆角矩形 45"/>
+            <p:cNvSpPr/>
+            <p:nvPr/>
+          </p:nvSpPr>
+          <p:spPr>
+            <a:xfrm>
+              <a:off x="3086943" y="2952749"/>
+              <a:ext cx="900000" cy="900000"/>
+            </a:xfrm>
+            <a:prstGeom prst="roundRect">
+              <a:avLst/>
+            </a:prstGeom>
+            <a:gradFill>
+              <a:gsLst>
+                <a:gs pos="0">
+                  <a:srgbClr val="CCCCFF"/>
+                </a:gs>
+                <a:gs pos="50000">
+                  <a:srgbClr val="CC99FF"/>
+                </a:gs>
+                <a:gs pos="100000">
+                  <a:srgbClr val="9933FF"/>
+                </a:gs>
+              </a:gsLst>
+            </a:gradFill>
+          </p:spPr>
+          <p:style>
+            <a:lnRef idx="0">
+              <a:schemeClr val="accent5"/>
+            </a:lnRef>
+            <a:fillRef idx="3">
+              <a:schemeClr val="accent5"/>
+            </a:fillRef>
+            <a:effectRef idx="3">
+              <a:schemeClr val="accent5"/>
+            </a:effectRef>
+            <a:fontRef idx="minor">
+              <a:schemeClr val="lt1"/>
+            </a:fontRef>
+          </p:style>
+          <p:txBody>
+            <a:bodyPr rtlCol="0" anchor="ctr"/>
+            <a:lstStyle/>
+            <a:p>
+              <a:pPr algn="ctr"/>
+              <a:endParaRPr lang="zh-CN" altLang="en-US"/>
+            </a:p>
+          </p:txBody>
+        </p:sp>
+        <p:sp>
+          <p:nvSpPr>
+            <p:cNvPr id="12" name="流程图: 排序 11"/>
+            <p:cNvSpPr/>
+            <p:nvPr/>
+          </p:nvSpPr>
+          <p:spPr>
+            <a:xfrm rot="5400000">
+              <a:off x="3274103" y="3114703"/>
+              <a:ext cx="525680" cy="630362"/>
+            </a:xfrm>
+            <a:prstGeom prst="flowChartSort">
+              <a:avLst/>
+            </a:prstGeom>
+            <a:pattFill prst="pct80">
+              <a:fgClr>
+                <a:srgbClr val="FF99CC"/>
+              </a:fgClr>
+              <a:bgClr>
+                <a:schemeClr val="bg1"/>
+              </a:bgClr>
+            </a:pattFill>
+            <a:ln w="25400">
+              <a:solidFill>
+                <a:schemeClr val="tx1">
+                  <a:lumMod val="65000"/>
+                  <a:lumOff val="35000"/>
+                </a:schemeClr>
+              </a:solidFill>
+              <a:prstDash val="solid"/>
+            </a:ln>
+          </p:spPr>
+          <p:style>
+            <a:lnRef idx="2">
+              <a:schemeClr val="accent1">
+                <a:shade val="50000"/>
+              </a:schemeClr>
+            </a:lnRef>
+            <a:fillRef idx="1">
+              <a:schemeClr val="accent1"/>
+            </a:fillRef>
+            <a:effectRef idx="0">
+              <a:schemeClr val="accent1"/>
+            </a:effectRef>
+            <a:fontRef idx="minor">
+              <a:schemeClr val="lt1"/>
+            </a:fontRef>
+          </p:style>
+          <p:txBody>
+            <a:bodyPr rtlCol="0" anchor="ctr"/>
+            <a:lstStyle/>
+            <a:p>
+              <a:pPr algn="ctr"/>
+              <a:endParaRPr lang="zh-CN" altLang="en-US"/>
+            </a:p>
+          </p:txBody>
+        </p:sp>
       </p:grpSp>
     </p:spTree>
     <p:extLst>

--- a/Img/icons.pptx
+++ b/Img/icons.pptx
@@ -3573,8 +3573,8 @@
               <a:gsLst>
                 <a:gs pos="0">
                   <a:schemeClr val="accent1">
-                    <a:lumMod val="20000"/>
-                    <a:lumOff val="80000"/>
+                    <a:lumMod val="40000"/>
+                    <a:lumOff val="60000"/>
                   </a:schemeClr>
                 </a:gs>
                 <a:gs pos="50000">

--- a/Img/icons.pptx
+++ b/Img/icons.pptx
@@ -4491,6 +4491,102 @@
           </p:txBody>
         </p:sp>
       </p:grpSp>
+      <p:grpSp>
+        <p:nvGrpSpPr>
+          <p:cNvPr id="52" name="组合 51"/>
+          <p:cNvGrpSpPr/>
+          <p:nvPr/>
+        </p:nvGrpSpPr>
+        <p:grpSpPr>
+          <a:xfrm>
+            <a:off x="5554216" y="1275430"/>
+            <a:ext cx="900000" cy="900000"/>
+            <a:chOff x="5554216" y="1275430"/>
+            <a:chExt cx="900000" cy="900000"/>
+          </a:xfrm>
+        </p:grpSpPr>
+        <p:sp>
+          <p:nvSpPr>
+            <p:cNvPr id="45" name="圆角矩形 44"/>
+            <p:cNvSpPr/>
+            <p:nvPr/>
+          </p:nvSpPr>
+          <p:spPr>
+            <a:xfrm>
+              <a:off x="5554216" y="1275430"/>
+              <a:ext cx="900000" cy="900000"/>
+            </a:xfrm>
+            <a:prstGeom prst="roundRect">
+              <a:avLst/>
+            </a:prstGeom>
+            <a:gradFill>
+              <a:gsLst>
+                <a:gs pos="0">
+                  <a:srgbClr val="FFCCFF"/>
+                </a:gs>
+                <a:gs pos="50000">
+                  <a:srgbClr val="FF99CC"/>
+                </a:gs>
+                <a:gs pos="100000">
+                  <a:srgbClr val="FF6699"/>
+                </a:gs>
+              </a:gsLst>
+            </a:gradFill>
+          </p:spPr>
+          <p:style>
+            <a:lnRef idx="0">
+              <a:schemeClr val="accent4"/>
+            </a:lnRef>
+            <a:fillRef idx="3">
+              <a:schemeClr val="accent4"/>
+            </a:fillRef>
+            <a:effectRef idx="3">
+              <a:schemeClr val="accent4"/>
+            </a:effectRef>
+            <a:fontRef idx="minor">
+              <a:schemeClr val="lt1"/>
+            </a:fontRef>
+          </p:style>
+          <p:txBody>
+            <a:bodyPr rtlCol="0" anchor="ctr"/>
+            <a:lstStyle/>
+            <a:p>
+              <a:pPr algn="ctr"/>
+              <a:endParaRPr lang="zh-CN" altLang="en-US"/>
+            </a:p>
+          </p:txBody>
+        </p:sp>
+        <p:pic>
+          <p:nvPicPr>
+            <p:cNvPr id="51" name="图片 50"/>
+            <p:cNvPicPr>
+              <a:picLocks noChangeAspect="1"/>
+            </p:cNvPicPr>
+            <p:nvPr/>
+          </p:nvPicPr>
+          <p:blipFill>
+            <a:blip r:embed="rId3" cstate="print">
+              <a:extLst>
+                <a:ext uri="{28A0092B-C50C-407E-A947-70E740481C1C}">
+                  <a14:useLocalDpi xmlns:a14="http://schemas.microsoft.com/office/drawing/2010/main" val="0"/>
+                </a:ext>
+              </a:extLst>
+            </a:blip>
+            <a:stretch>
+              <a:fillRect/>
+            </a:stretch>
+          </p:blipFill>
+          <p:spPr>
+            <a:xfrm>
+              <a:off x="5707264" y="1487538"/>
+              <a:ext cx="647390" cy="547247"/>
+            </a:xfrm>
+            <a:prstGeom prst="rect">
+              <a:avLst/>
+            </a:prstGeom>
+          </p:spPr>
+        </p:pic>
+      </p:grpSp>
     </p:spTree>
     <p:extLst>
       <p:ext uri="{BB962C8B-B14F-4D97-AF65-F5344CB8AC3E}">

--- a/Img/icons.pptx
+++ b/Img/icons.pptx
@@ -243,7 +243,7 @@
           <a:p>
             <a:fld id="{64F94C6B-D019-472B-9D8B-E0ABBDFE852A}" type="datetimeFigureOut">
               <a:rPr lang="zh-CN" altLang="en-US" smtClean="0"/>
-              <a:t>2014/6/10</a:t>
+              <a:t>2014/6/11</a:t>
             </a:fld>
             <a:endParaRPr lang="zh-CN" altLang="en-US"/>
           </a:p>
@@ -413,7 +413,7 @@
           <a:p>
             <a:fld id="{64F94C6B-D019-472B-9D8B-E0ABBDFE852A}" type="datetimeFigureOut">
               <a:rPr lang="zh-CN" altLang="en-US" smtClean="0"/>
-              <a:t>2014/6/10</a:t>
+              <a:t>2014/6/11</a:t>
             </a:fld>
             <a:endParaRPr lang="zh-CN" altLang="en-US"/>
           </a:p>
@@ -593,7 +593,7 @@
           <a:p>
             <a:fld id="{64F94C6B-D019-472B-9D8B-E0ABBDFE852A}" type="datetimeFigureOut">
               <a:rPr lang="zh-CN" altLang="en-US" smtClean="0"/>
-              <a:t>2014/6/10</a:t>
+              <a:t>2014/6/11</a:t>
             </a:fld>
             <a:endParaRPr lang="zh-CN" altLang="en-US"/>
           </a:p>
@@ -763,7 +763,7 @@
           <a:p>
             <a:fld id="{64F94C6B-D019-472B-9D8B-E0ABBDFE852A}" type="datetimeFigureOut">
               <a:rPr lang="zh-CN" altLang="en-US" smtClean="0"/>
-              <a:t>2014/6/10</a:t>
+              <a:t>2014/6/11</a:t>
             </a:fld>
             <a:endParaRPr lang="zh-CN" altLang="en-US"/>
           </a:p>
@@ -1009,7 +1009,7 @@
           <a:p>
             <a:fld id="{64F94C6B-D019-472B-9D8B-E0ABBDFE852A}" type="datetimeFigureOut">
               <a:rPr lang="zh-CN" altLang="en-US" smtClean="0"/>
-              <a:t>2014/6/10</a:t>
+              <a:t>2014/6/11</a:t>
             </a:fld>
             <a:endParaRPr lang="zh-CN" altLang="en-US"/>
           </a:p>
@@ -1241,7 +1241,7 @@
           <a:p>
             <a:fld id="{64F94C6B-D019-472B-9D8B-E0ABBDFE852A}" type="datetimeFigureOut">
               <a:rPr lang="zh-CN" altLang="en-US" smtClean="0"/>
-              <a:t>2014/6/10</a:t>
+              <a:t>2014/6/11</a:t>
             </a:fld>
             <a:endParaRPr lang="zh-CN" altLang="en-US"/>
           </a:p>
@@ -1608,7 +1608,7 @@
           <a:p>
             <a:fld id="{64F94C6B-D019-472B-9D8B-E0ABBDFE852A}" type="datetimeFigureOut">
               <a:rPr lang="zh-CN" altLang="en-US" smtClean="0"/>
-              <a:t>2014/6/10</a:t>
+              <a:t>2014/6/11</a:t>
             </a:fld>
             <a:endParaRPr lang="zh-CN" altLang="en-US"/>
           </a:p>
@@ -1726,7 +1726,7 @@
           <a:p>
             <a:fld id="{64F94C6B-D019-472B-9D8B-E0ABBDFE852A}" type="datetimeFigureOut">
               <a:rPr lang="zh-CN" altLang="en-US" smtClean="0"/>
-              <a:t>2014/6/10</a:t>
+              <a:t>2014/6/11</a:t>
             </a:fld>
             <a:endParaRPr lang="zh-CN" altLang="en-US"/>
           </a:p>
@@ -1821,7 +1821,7 @@
           <a:p>
             <a:fld id="{64F94C6B-D019-472B-9D8B-E0ABBDFE852A}" type="datetimeFigureOut">
               <a:rPr lang="zh-CN" altLang="en-US" smtClean="0"/>
-              <a:t>2014/6/10</a:t>
+              <a:t>2014/6/11</a:t>
             </a:fld>
             <a:endParaRPr lang="zh-CN" altLang="en-US"/>
           </a:p>
@@ -2098,7 +2098,7 @@
           <a:p>
             <a:fld id="{64F94C6B-D019-472B-9D8B-E0ABBDFE852A}" type="datetimeFigureOut">
               <a:rPr lang="zh-CN" altLang="en-US" smtClean="0"/>
-              <a:t>2014/6/10</a:t>
+              <a:t>2014/6/11</a:t>
             </a:fld>
             <a:endParaRPr lang="zh-CN" altLang="en-US"/>
           </a:p>
@@ -2351,7 +2351,7 @@
           <a:p>
             <a:fld id="{64F94C6B-D019-472B-9D8B-E0ABBDFE852A}" type="datetimeFigureOut">
               <a:rPr lang="zh-CN" altLang="en-US" smtClean="0"/>
-              <a:t>2014/6/10</a:t>
+              <a:t>2014/6/11</a:t>
             </a:fld>
             <a:endParaRPr lang="zh-CN" altLang="en-US"/>
           </a:p>
@@ -2564,7 +2564,7 @@
           <a:p>
             <a:fld id="{64F94C6B-D019-472B-9D8B-E0ABBDFE852A}" type="datetimeFigureOut">
               <a:rPr lang="zh-CN" altLang="en-US" smtClean="0"/>
-              <a:t>2014/6/10</a:t>
+              <a:t>2014/6/11</a:t>
             </a:fld>
             <a:endParaRPr lang="zh-CN" altLang="en-US"/>
           </a:p>
@@ -4587,6 +4587,113 @@
           </p:spPr>
         </p:pic>
       </p:grpSp>
+      <p:grpSp>
+        <p:nvGrpSpPr>
+          <p:cNvPr id="3" name="组合 2"/>
+          <p:cNvGrpSpPr/>
+          <p:nvPr/>
+        </p:nvGrpSpPr>
+        <p:grpSpPr>
+          <a:xfrm>
+            <a:off x="6743659" y="4645506"/>
+            <a:ext cx="900000" cy="900000"/>
+            <a:chOff x="6743659" y="4645506"/>
+            <a:chExt cx="900000" cy="900000"/>
+          </a:xfrm>
+        </p:grpSpPr>
+        <p:sp>
+          <p:nvSpPr>
+            <p:cNvPr id="47" name="圆角矩形 46"/>
+            <p:cNvSpPr/>
+            <p:nvPr/>
+          </p:nvSpPr>
+          <p:spPr>
+            <a:xfrm>
+              <a:off x="6743659" y="4645506"/>
+              <a:ext cx="900000" cy="900000"/>
+            </a:xfrm>
+            <a:prstGeom prst="roundRect">
+              <a:avLst/>
+            </a:prstGeom>
+            <a:gradFill>
+              <a:gsLst>
+                <a:gs pos="0">
+                  <a:srgbClr val="66FFFF"/>
+                </a:gs>
+                <a:gs pos="50000">
+                  <a:srgbClr val="00CCFF"/>
+                </a:gs>
+                <a:gs pos="100000">
+                  <a:srgbClr val="3399FF"/>
+                </a:gs>
+              </a:gsLst>
+            </a:gradFill>
+          </p:spPr>
+          <p:style>
+            <a:lnRef idx="0">
+              <a:schemeClr val="accent4"/>
+            </a:lnRef>
+            <a:fillRef idx="3">
+              <a:schemeClr val="accent4"/>
+            </a:fillRef>
+            <a:effectRef idx="3">
+              <a:schemeClr val="accent4"/>
+            </a:effectRef>
+            <a:fontRef idx="minor">
+              <a:schemeClr val="lt1"/>
+            </a:fontRef>
+          </p:style>
+          <p:txBody>
+            <a:bodyPr rtlCol="0" anchor="ctr"/>
+            <a:lstStyle/>
+            <a:p>
+              <a:pPr algn="ctr"/>
+              <a:endParaRPr lang="zh-CN" altLang="en-US"/>
+            </a:p>
+          </p:txBody>
+        </p:sp>
+        <p:pic>
+          <p:nvPicPr>
+            <p:cNvPr id="1032" name="Picture 8" descr="http://icons.iconarchive.com/icons/icons8/android/512/Photo-Video-slr-camera-icon.png"/>
+            <p:cNvPicPr>
+              <a:picLocks noChangeAspect="1" noChangeArrowheads="1"/>
+            </p:cNvPicPr>
+            <p:nvPr/>
+          </p:nvPicPr>
+          <p:blipFill>
+            <a:blip r:embed="rId4" cstate="print">
+              <a:extLst>
+                <a:ext uri="{28A0092B-C50C-407E-A947-70E740481C1C}">
+                  <a14:useLocalDpi xmlns:a14="http://schemas.microsoft.com/office/drawing/2010/main" val="0"/>
+                </a:ext>
+              </a:extLst>
+            </a:blip>
+            <a:srcRect/>
+            <a:stretch>
+              <a:fillRect/>
+            </a:stretch>
+          </p:blipFill>
+          <p:spPr bwMode="auto">
+            <a:xfrm>
+              <a:off x="6924014" y="4863315"/>
+              <a:ext cx="539290" cy="539290"/>
+            </a:xfrm>
+            <a:prstGeom prst="rect">
+              <a:avLst/>
+            </a:prstGeom>
+            <a:noFill/>
+            <a:extLst>
+              <a:ext uri="{909E8E84-426E-40DD-AFC4-6F175D3DCCD1}">
+                <a14:hiddenFill xmlns:a14="http://schemas.microsoft.com/office/drawing/2010/main">
+                  <a:solidFill>
+                    <a:srgbClr val="FFFFFF"/>
+                  </a:solidFill>
+                </a14:hiddenFill>
+              </a:ext>
+            </a:extLst>
+          </p:spPr>
+        </p:pic>
+      </p:grpSp>
     </p:spTree>
     <p:extLst>
       <p:ext uri="{BB962C8B-B14F-4D97-AF65-F5344CB8AC3E}">

--- a/Img/icons.pptx
+++ b/Img/icons.pptx
@@ -243,7 +243,7 @@
           <a:p>
             <a:fld id="{64F94C6B-D019-472B-9D8B-E0ABBDFE852A}" type="datetimeFigureOut">
               <a:rPr lang="zh-CN" altLang="en-US" smtClean="0"/>
-              <a:t>2014/6/11</a:t>
+              <a:t>2014/6/12</a:t>
             </a:fld>
             <a:endParaRPr lang="zh-CN" altLang="en-US"/>
           </a:p>
@@ -413,7 +413,7 @@
           <a:p>
             <a:fld id="{64F94C6B-D019-472B-9D8B-E0ABBDFE852A}" type="datetimeFigureOut">
               <a:rPr lang="zh-CN" altLang="en-US" smtClean="0"/>
-              <a:t>2014/6/11</a:t>
+              <a:t>2014/6/12</a:t>
             </a:fld>
             <a:endParaRPr lang="zh-CN" altLang="en-US"/>
           </a:p>
@@ -593,7 +593,7 @@
           <a:p>
             <a:fld id="{64F94C6B-D019-472B-9D8B-E0ABBDFE852A}" type="datetimeFigureOut">
               <a:rPr lang="zh-CN" altLang="en-US" smtClean="0"/>
-              <a:t>2014/6/11</a:t>
+              <a:t>2014/6/12</a:t>
             </a:fld>
             <a:endParaRPr lang="zh-CN" altLang="en-US"/>
           </a:p>
@@ -763,7 +763,7 @@
           <a:p>
             <a:fld id="{64F94C6B-D019-472B-9D8B-E0ABBDFE852A}" type="datetimeFigureOut">
               <a:rPr lang="zh-CN" altLang="en-US" smtClean="0"/>
-              <a:t>2014/6/11</a:t>
+              <a:t>2014/6/12</a:t>
             </a:fld>
             <a:endParaRPr lang="zh-CN" altLang="en-US"/>
           </a:p>
@@ -1009,7 +1009,7 @@
           <a:p>
             <a:fld id="{64F94C6B-D019-472B-9D8B-E0ABBDFE852A}" type="datetimeFigureOut">
               <a:rPr lang="zh-CN" altLang="en-US" smtClean="0"/>
-              <a:t>2014/6/11</a:t>
+              <a:t>2014/6/12</a:t>
             </a:fld>
             <a:endParaRPr lang="zh-CN" altLang="en-US"/>
           </a:p>
@@ -1241,7 +1241,7 @@
           <a:p>
             <a:fld id="{64F94C6B-D019-472B-9D8B-E0ABBDFE852A}" type="datetimeFigureOut">
               <a:rPr lang="zh-CN" altLang="en-US" smtClean="0"/>
-              <a:t>2014/6/11</a:t>
+              <a:t>2014/6/12</a:t>
             </a:fld>
             <a:endParaRPr lang="zh-CN" altLang="en-US"/>
           </a:p>
@@ -1608,7 +1608,7 @@
           <a:p>
             <a:fld id="{64F94C6B-D019-472B-9D8B-E0ABBDFE852A}" type="datetimeFigureOut">
               <a:rPr lang="zh-CN" altLang="en-US" smtClean="0"/>
-              <a:t>2014/6/11</a:t>
+              <a:t>2014/6/12</a:t>
             </a:fld>
             <a:endParaRPr lang="zh-CN" altLang="en-US"/>
           </a:p>
@@ -1726,7 +1726,7 @@
           <a:p>
             <a:fld id="{64F94C6B-D019-472B-9D8B-E0ABBDFE852A}" type="datetimeFigureOut">
               <a:rPr lang="zh-CN" altLang="en-US" smtClean="0"/>
-              <a:t>2014/6/11</a:t>
+              <a:t>2014/6/12</a:t>
             </a:fld>
             <a:endParaRPr lang="zh-CN" altLang="en-US"/>
           </a:p>
@@ -1821,7 +1821,7 @@
           <a:p>
             <a:fld id="{64F94C6B-D019-472B-9D8B-E0ABBDFE852A}" type="datetimeFigureOut">
               <a:rPr lang="zh-CN" altLang="en-US" smtClean="0"/>
-              <a:t>2014/6/11</a:t>
+              <a:t>2014/6/12</a:t>
             </a:fld>
             <a:endParaRPr lang="zh-CN" altLang="en-US"/>
           </a:p>
@@ -2098,7 +2098,7 @@
           <a:p>
             <a:fld id="{64F94C6B-D019-472B-9D8B-E0ABBDFE852A}" type="datetimeFigureOut">
               <a:rPr lang="zh-CN" altLang="en-US" smtClean="0"/>
-              <a:t>2014/6/11</a:t>
+              <a:t>2014/6/12</a:t>
             </a:fld>
             <a:endParaRPr lang="zh-CN" altLang="en-US"/>
           </a:p>
@@ -2351,7 +2351,7 @@
           <a:p>
             <a:fld id="{64F94C6B-D019-472B-9D8B-E0ABBDFE852A}" type="datetimeFigureOut">
               <a:rPr lang="zh-CN" altLang="en-US" smtClean="0"/>
-              <a:t>2014/6/11</a:t>
+              <a:t>2014/6/12</a:t>
             </a:fld>
             <a:endParaRPr lang="zh-CN" altLang="en-US"/>
           </a:p>
@@ -2564,7 +2564,7 @@
           <a:p>
             <a:fld id="{64F94C6B-D019-472B-9D8B-E0ABBDFE852A}" type="datetimeFigureOut">
               <a:rPr lang="zh-CN" altLang="en-US" smtClean="0"/>
-              <a:t>2014/6/11</a:t>
+              <a:t>2014/6/12</a:t>
             </a:fld>
             <a:endParaRPr lang="zh-CN" altLang="en-US"/>
           </a:p>
@@ -4694,6 +4694,115 @@
           </p:spPr>
         </p:pic>
       </p:grpSp>
+      <p:grpSp>
+        <p:nvGrpSpPr>
+          <p:cNvPr id="6" name="组合 5"/>
+          <p:cNvGrpSpPr/>
+          <p:nvPr/>
+        </p:nvGrpSpPr>
+        <p:grpSpPr>
+          <a:xfrm>
+            <a:off x="8962300" y="2952749"/>
+            <a:ext cx="900000" cy="900000"/>
+            <a:chOff x="8962300" y="2952749"/>
+            <a:chExt cx="900000" cy="900000"/>
+          </a:xfrm>
+        </p:grpSpPr>
+        <p:sp>
+          <p:nvSpPr>
+            <p:cNvPr id="49" name="圆角矩形 48"/>
+            <p:cNvSpPr/>
+            <p:nvPr/>
+          </p:nvSpPr>
+          <p:spPr>
+            <a:xfrm>
+              <a:off x="8962300" y="2952749"/>
+              <a:ext cx="900000" cy="900000"/>
+            </a:xfrm>
+            <a:prstGeom prst="roundRect">
+              <a:avLst/>
+            </a:prstGeom>
+            <a:gradFill flip="none" rotWithShape="1">
+              <a:gsLst>
+                <a:gs pos="0">
+                  <a:srgbClr val="DCFF97"/>
+                </a:gs>
+                <a:gs pos="50000">
+                  <a:srgbClr val="CAED09"/>
+                </a:gs>
+                <a:gs pos="100000">
+                  <a:srgbClr val="CCCC00"/>
+                </a:gs>
+              </a:gsLst>
+              <a:lin ang="5400000" scaled="1"/>
+              <a:tileRect/>
+            </a:gradFill>
+          </p:spPr>
+          <p:style>
+            <a:lnRef idx="0">
+              <a:schemeClr val="accent5"/>
+            </a:lnRef>
+            <a:fillRef idx="3">
+              <a:schemeClr val="accent5"/>
+            </a:fillRef>
+            <a:effectRef idx="3">
+              <a:schemeClr val="accent5"/>
+            </a:effectRef>
+            <a:fontRef idx="minor">
+              <a:schemeClr val="lt1"/>
+            </a:fontRef>
+          </p:style>
+          <p:txBody>
+            <a:bodyPr rtlCol="0" anchor="ctr"/>
+            <a:lstStyle/>
+            <a:p>
+              <a:pPr algn="ctr"/>
+              <a:endParaRPr lang="zh-CN" altLang="en-US"/>
+            </a:p>
+          </p:txBody>
+        </p:sp>
+        <p:pic>
+          <p:nvPicPr>
+            <p:cNvPr id="1026" name="Picture 2" descr="http://icons.iconarchive.com/icons/icons8/android/512/Transport-rocket-icon.png"/>
+            <p:cNvPicPr>
+              <a:picLocks noChangeAspect="1" noChangeArrowheads="1"/>
+            </p:cNvPicPr>
+            <p:nvPr/>
+          </p:nvPicPr>
+          <p:blipFill>
+            <a:blip r:embed="rId5" cstate="print">
+              <a:extLst>
+                <a:ext uri="{28A0092B-C50C-407E-A947-70E740481C1C}">
+                  <a14:useLocalDpi xmlns:a14="http://schemas.microsoft.com/office/drawing/2010/main" val="0"/>
+                </a:ext>
+              </a:extLst>
+            </a:blip>
+            <a:srcRect/>
+            <a:stretch>
+              <a:fillRect/>
+            </a:stretch>
+          </p:blipFill>
+          <p:spPr bwMode="auto">
+            <a:xfrm>
+              <a:off x="9168151" y="3181346"/>
+              <a:ext cx="502161" cy="502161"/>
+            </a:xfrm>
+            <a:prstGeom prst="rect">
+              <a:avLst/>
+            </a:prstGeom>
+            <a:noFill/>
+            <a:extLst>
+              <a:ext uri="{909E8E84-426E-40DD-AFC4-6F175D3DCCD1}">
+                <a14:hiddenFill xmlns:a14="http://schemas.microsoft.com/office/drawing/2010/main">
+                  <a:solidFill>
+                    <a:srgbClr val="FFFFFF"/>
+                  </a:solidFill>
+                </a14:hiddenFill>
+              </a:ext>
+            </a:extLst>
+          </p:spPr>
+        </p:pic>
+      </p:grpSp>
     </p:spTree>
     <p:extLst>
       <p:ext uri="{BB962C8B-B14F-4D97-AF65-F5344CB8AC3E}">
